--- a/PresentationProgress.pptx
+++ b/PresentationProgress.pptx
@@ -10,13 +10,12 @@
     <p:sldId id="258" r:id="rId4"/>
     <p:sldId id="260" r:id="rId5"/>
     <p:sldId id="261" r:id="rId6"/>
-    <p:sldId id="262" r:id="rId7"/>
-    <p:sldId id="268" r:id="rId8"/>
-    <p:sldId id="270" r:id="rId9"/>
-    <p:sldId id="263" r:id="rId10"/>
-    <p:sldId id="265" r:id="rId11"/>
-    <p:sldId id="266" r:id="rId12"/>
-    <p:sldId id="267" r:id="rId13"/>
+    <p:sldId id="268" r:id="rId7"/>
+    <p:sldId id="270" r:id="rId8"/>
+    <p:sldId id="263" r:id="rId9"/>
+    <p:sldId id="265" r:id="rId10"/>
+    <p:sldId id="266" r:id="rId11"/>
+    <p:sldId id="267" r:id="rId12"/>
   </p:sldIdLst>
   <p:sldSz cx="12192000" cy="6858000"/>
   <p:notesSz cx="6858000" cy="9144000"/>
@@ -125,7 +124,6 @@
             <p14:sldId id="258"/>
             <p14:sldId id="260"/>
             <p14:sldId id="261"/>
-            <p14:sldId id="262"/>
             <p14:sldId id="268"/>
             <p14:sldId id="270"/>
             <p14:sldId id="263"/>
@@ -138,6 +136,9 @@
           <p14:sldIdLst/>
         </p14:section>
       </p14:sectionLst>
+    </p:ext>
+    <p:ext uri="{EFAFB233-063F-42B5-8137-9DF3F51BA10A}">
+      <p15:sldGuideLst xmlns:p15="http://schemas.microsoft.com/office/powerpoint/2012/main"/>
     </p:ext>
   </p:extLst>
 </p:presentation>
@@ -274,7 +275,7 @@
           <a:p>
             <a:fld id="{F83ECDD3-FA08-4E1F-A5DD-F7C0F65B2EA2}" type="datetimeFigureOut">
               <a:rPr lang="en-US" smtClean="0"/>
-              <a:t>7/30/2020</a:t>
+              <a:t>8/10/2020</a:t>
             </a:fld>
             <a:endParaRPr lang="en-US"/>
           </a:p>
@@ -444,7 +445,7 @@
           <a:p>
             <a:fld id="{F83ECDD3-FA08-4E1F-A5DD-F7C0F65B2EA2}" type="datetimeFigureOut">
               <a:rPr lang="en-US" smtClean="0"/>
-              <a:t>7/30/2020</a:t>
+              <a:t>8/10/2020</a:t>
             </a:fld>
             <a:endParaRPr lang="en-US"/>
           </a:p>
@@ -624,7 +625,7 @@
           <a:p>
             <a:fld id="{F83ECDD3-FA08-4E1F-A5DD-F7C0F65B2EA2}" type="datetimeFigureOut">
               <a:rPr lang="en-US" smtClean="0"/>
-              <a:t>7/30/2020</a:t>
+              <a:t>8/10/2020</a:t>
             </a:fld>
             <a:endParaRPr lang="en-US"/>
           </a:p>
@@ -794,7 +795,7 @@
           <a:p>
             <a:fld id="{F83ECDD3-FA08-4E1F-A5DD-F7C0F65B2EA2}" type="datetimeFigureOut">
               <a:rPr lang="en-US" smtClean="0"/>
-              <a:t>7/30/2020</a:t>
+              <a:t>8/10/2020</a:t>
             </a:fld>
             <a:endParaRPr lang="en-US"/>
           </a:p>
@@ -1040,7 +1041,7 @@
           <a:p>
             <a:fld id="{F83ECDD3-FA08-4E1F-A5DD-F7C0F65B2EA2}" type="datetimeFigureOut">
               <a:rPr lang="en-US" smtClean="0"/>
-              <a:t>7/30/2020</a:t>
+              <a:t>8/10/2020</a:t>
             </a:fld>
             <a:endParaRPr lang="en-US"/>
           </a:p>
@@ -1272,7 +1273,7 @@
           <a:p>
             <a:fld id="{F83ECDD3-FA08-4E1F-A5DD-F7C0F65B2EA2}" type="datetimeFigureOut">
               <a:rPr lang="en-US" smtClean="0"/>
-              <a:t>7/30/2020</a:t>
+              <a:t>8/10/2020</a:t>
             </a:fld>
             <a:endParaRPr lang="en-US"/>
           </a:p>
@@ -1639,7 +1640,7 @@
           <a:p>
             <a:fld id="{F83ECDD3-FA08-4E1F-A5DD-F7C0F65B2EA2}" type="datetimeFigureOut">
               <a:rPr lang="en-US" smtClean="0"/>
-              <a:t>7/30/2020</a:t>
+              <a:t>8/10/2020</a:t>
             </a:fld>
             <a:endParaRPr lang="en-US"/>
           </a:p>
@@ -1757,7 +1758,7 @@
           <a:p>
             <a:fld id="{F83ECDD3-FA08-4E1F-A5DD-F7C0F65B2EA2}" type="datetimeFigureOut">
               <a:rPr lang="en-US" smtClean="0"/>
-              <a:t>7/30/2020</a:t>
+              <a:t>8/10/2020</a:t>
             </a:fld>
             <a:endParaRPr lang="en-US"/>
           </a:p>
@@ -1852,7 +1853,7 @@
           <a:p>
             <a:fld id="{F83ECDD3-FA08-4E1F-A5DD-F7C0F65B2EA2}" type="datetimeFigureOut">
               <a:rPr lang="en-US" smtClean="0"/>
-              <a:t>7/30/2020</a:t>
+              <a:t>8/10/2020</a:t>
             </a:fld>
             <a:endParaRPr lang="en-US"/>
           </a:p>
@@ -2129,7 +2130,7 @@
           <a:p>
             <a:fld id="{F83ECDD3-FA08-4E1F-A5DD-F7C0F65B2EA2}" type="datetimeFigureOut">
               <a:rPr lang="en-US" smtClean="0"/>
-              <a:t>7/30/2020</a:t>
+              <a:t>8/10/2020</a:t>
             </a:fld>
             <a:endParaRPr lang="en-US"/>
           </a:p>
@@ -2382,7 +2383,7 @@
           <a:p>
             <a:fld id="{F83ECDD3-FA08-4E1F-A5DD-F7C0F65B2EA2}" type="datetimeFigureOut">
               <a:rPr lang="en-US" smtClean="0"/>
-              <a:t>7/30/2020</a:t>
+              <a:t>8/10/2020</a:t>
             </a:fld>
             <a:endParaRPr lang="en-US"/>
           </a:p>
@@ -2595,7 +2596,7 @@
           <a:p>
             <a:fld id="{F83ECDD3-FA08-4E1F-A5DD-F7C0F65B2EA2}" type="datetimeFigureOut">
               <a:rPr lang="en-US" smtClean="0"/>
-              <a:t>7/30/2020</a:t>
+              <a:t>8/10/2020</a:t>
             </a:fld>
             <a:endParaRPr lang="en-US"/>
           </a:p>
@@ -3100,121 +3101,6 @@
       </p:sp>
       <p:pic>
         <p:nvPicPr>
-          <p:cNvPr id="6" name="Content Placeholder 5"/>
-          <p:cNvPicPr>
-            <a:picLocks noGrp="1" noChangeAspect="1"/>
-          </p:cNvPicPr>
-          <p:nvPr>
-            <p:ph idx="1"/>
-          </p:nvPr>
-        </p:nvPicPr>
-        <p:blipFill>
-          <a:blip r:embed="rId2">
-            <a:extLst>
-              <a:ext uri="{28A0092B-C50C-407E-A947-70E740481C1C}">
-                <a14:useLocalDpi xmlns:a14="http://schemas.microsoft.com/office/drawing/2010/main" val="0"/>
-              </a:ext>
-            </a:extLst>
-          </a:blip>
-          <a:stretch>
-            <a:fillRect/>
-          </a:stretch>
-        </p:blipFill>
-        <p:spPr>
-          <a:xfrm>
-            <a:off x="52247" y="304506"/>
-            <a:ext cx="7829943" cy="5872457"/>
-          </a:xfrm>
-        </p:spPr>
-      </p:pic>
-      <p:pic>
-        <p:nvPicPr>
-          <p:cNvPr id="7" name="Picture 6"/>
-          <p:cNvPicPr>
-            <a:picLocks noChangeAspect="1"/>
-          </p:cNvPicPr>
-          <p:nvPr/>
-        </p:nvPicPr>
-        <p:blipFill>
-          <a:blip r:embed="rId3">
-            <a:extLst>
-              <a:ext uri="{28A0092B-C50C-407E-A947-70E740481C1C}">
-                <a14:useLocalDpi xmlns:a14="http://schemas.microsoft.com/office/drawing/2010/main" val="0"/>
-              </a:ext>
-            </a:extLst>
-          </a:blip>
-          <a:stretch>
-            <a:fillRect/>
-          </a:stretch>
-        </p:blipFill>
-        <p:spPr>
-          <a:xfrm>
-            <a:off x="7573549" y="1508815"/>
-            <a:ext cx="4618451" cy="3463838"/>
-          </a:xfrm>
-          <a:prstGeom prst="rect">
-            <a:avLst/>
-          </a:prstGeom>
-        </p:spPr>
-      </p:pic>
-    </p:spTree>
-    <p:extLst>
-      <p:ext uri="{BB962C8B-B14F-4D97-AF65-F5344CB8AC3E}">
-        <p14:creationId xmlns:p14="http://schemas.microsoft.com/office/powerpoint/2010/main" val="3549886011"/>
-      </p:ext>
-    </p:extLst>
-  </p:cSld>
-  <p:clrMapOvr>
-    <a:masterClrMapping/>
-  </p:clrMapOvr>
-  <p:timing>
-    <p:tnLst>
-      <p:par>
-        <p:cTn id="1" dur="indefinite" restart="never" nodeType="tmRoot"/>
-      </p:par>
-    </p:tnLst>
-  </p:timing>
-</p:sld>
-</file>
-
-<file path=ppt/slides/slide11.xml><?xml version="1.0" encoding="utf-8"?>
-<p:sld xmlns:a="http://schemas.openxmlformats.org/drawingml/2006/main" xmlns:r="http://schemas.openxmlformats.org/officeDocument/2006/relationships" xmlns:p="http://schemas.openxmlformats.org/presentationml/2006/main">
-  <p:cSld>
-    <p:spTree>
-      <p:nvGrpSpPr>
-        <p:cNvPr id="1" name=""/>
-        <p:cNvGrpSpPr/>
-        <p:nvPr/>
-      </p:nvGrpSpPr>
-      <p:grpSpPr>
-        <a:xfrm>
-          <a:off x="0" y="0"/>
-          <a:ext cx="0" cy="0"/>
-          <a:chOff x="0" y="0"/>
-          <a:chExt cx="0" cy="0"/>
-        </a:xfrm>
-      </p:grpSpPr>
-      <p:sp>
-        <p:nvSpPr>
-          <p:cNvPr id="2" name="Title 1"/>
-          <p:cNvSpPr>
-            <a:spLocks noGrp="1"/>
-          </p:cNvSpPr>
-          <p:nvPr>
-            <p:ph type="title"/>
-          </p:nvPr>
-        </p:nvSpPr>
-        <p:spPr/>
-        <p:txBody>
-          <a:bodyPr/>
-          <a:lstStyle/>
-          <a:p>
-            <a:endParaRPr lang="en-US"/>
-          </a:p>
-        </p:txBody>
-      </p:sp>
-      <p:pic>
-        <p:nvPicPr>
           <p:cNvPr id="4" name="Content Placeholder 3"/>
           <p:cNvPicPr>
             <a:picLocks noGrp="1" noChangeAspect="1"/>
@@ -3292,7 +3178,7 @@
 </p:sld>
 </file>
 
-<file path=ppt/slides/slide12.xml><?xml version="1.0" encoding="utf-8"?>
+<file path=ppt/slides/slide11.xml><?xml version="1.0" encoding="utf-8"?>
 <p:sld xmlns:a="http://schemas.openxmlformats.org/drawingml/2006/main" xmlns:r="http://schemas.openxmlformats.org/officeDocument/2006/relationships" xmlns:p="http://schemas.openxmlformats.org/presentationml/2006/main">
   <p:cSld>
     <p:spTree>
@@ -3748,11 +3634,7 @@
             </a:r>
             <a:r>
               <a:rPr lang="pl-PL" sz="1600" dirty="0" smtClean="0"/>
-              <a:t>       </a:t>
-            </a:r>
-            <a:r>
-              <a:rPr lang="pl-PL" sz="1600" dirty="0" smtClean="0"/>
-              <a:t>as we sorter </a:t>
+              <a:t>       as we sorter </a:t>
             </a:r>
             <a:r>
               <a:rPr lang="pl-PL" sz="1600" dirty="0" err="1" smtClean="0"/>
@@ -4071,15 +3953,7 @@
             </a:r>
             <a:r>
               <a:rPr lang="pl-PL" dirty="0" smtClean="0"/>
-              <a:t> ”</a:t>
-            </a:r>
-            <a:r>
-              <a:rPr lang="pl-PL" dirty="0" smtClean="0"/>
-              <a:t>Unit</a:t>
-            </a:r>
-            <a:r>
-              <a:rPr lang="pl-PL" dirty="0" smtClean="0"/>
-              <a:t>” Sort</a:t>
+              <a:t> ”Unit” Sort</a:t>
             </a:r>
             <a:endParaRPr lang="en-US" dirty="0"/>
           </a:p>
@@ -4320,8 +4194,17 @@
             </a:r>
             <a:r>
               <a:rPr lang="pl-PL" dirty="0" smtClean="0"/>
-              <a:t> </a:t>
-            </a:r>
+              <a:t>/</a:t>
+            </a:r>
+            <a:r>
+              <a:rPr lang="pl-PL" dirty="0" err="1" smtClean="0"/>
+              <a:t>column</a:t>
+            </a:r>
+            <a:r>
+              <a:rPr lang="pl-PL" dirty="0" smtClean="0"/>
+              <a:t> </a:t>
+            </a:r>
+            <a:endParaRPr lang="pl-PL" dirty="0" smtClean="0"/>
           </a:p>
           <a:p>
             <a:r>
@@ -4424,15 +4307,7 @@
             </a:r>
             <a:r>
               <a:rPr lang="pl-PL" dirty="0" smtClean="0"/>
-              <a:t> ”</a:t>
-            </a:r>
-            <a:r>
-              <a:rPr lang="pl-PL" dirty="0" smtClean="0"/>
-              <a:t>Split</a:t>
-            </a:r>
-            <a:r>
-              <a:rPr lang="pl-PL" dirty="0" smtClean="0"/>
-              <a:t>” Sort</a:t>
+              <a:t> ”Split” Sort</a:t>
             </a:r>
             <a:endParaRPr lang="en-US" dirty="0"/>
           </a:p>
@@ -4652,11 +4527,7 @@
             </a:pPr>
             <a:r>
               <a:rPr lang="pl-PL" dirty="0" err="1" smtClean="0"/>
-              <a:t>A</a:t>
-            </a:r>
-            <a:r>
-              <a:rPr lang="pl-PL" dirty="0" err="1" smtClean="0"/>
-              <a:t>scending</a:t>
+              <a:t>Ascending</a:t>
             </a:r>
             <a:r>
               <a:rPr lang="pl-PL" dirty="0" smtClean="0"/>
@@ -4678,7 +4549,6 @@
               <a:rPr lang="pl-PL" dirty="0" smtClean="0"/>
               <a:t> </a:t>
             </a:r>
-            <a:endParaRPr lang="pl-PL" dirty="0" smtClean="0"/>
           </a:p>
           <a:p>
             <a:pPr marL="342900" indent="-342900">
@@ -5167,8 +5037,20 @@
           <a:lstStyle/>
           <a:p>
             <a:r>
+              <a:rPr lang="pl-PL" sz="3600" dirty="0" smtClean="0"/>
+              <a:t>”</a:t>
+            </a:r>
+            <a:r>
+              <a:rPr lang="en-GB" sz="3600" dirty="0" smtClean="0"/>
+              <a:t>Correlation</a:t>
+            </a:r>
+            <a:r>
+              <a:rPr lang="pl-PL" sz="3600" dirty="0" smtClean="0"/>
+              <a:t>”</a:t>
+            </a:r>
+            <a:r>
               <a:rPr lang="en-GB" sz="3600" dirty="0"/>
-              <a:t>Correlation Matrix - latent space </a:t>
+              <a:t> Matrix - latent space </a:t>
             </a:r>
             <a:r>
               <a:rPr lang="en-GB" sz="3600" dirty="0" smtClean="0"/>
@@ -5225,12 +5107,8 @@
               <a:t> </a:t>
             </a:r>
             <a:r>
-              <a:rPr lang="pl-PL" sz="2000" dirty="0" err="1" smtClean="0"/>
-              <a:t>every</a:t>
-            </a:r>
-            <a:r>
               <a:rPr lang="pl-PL" sz="2000" dirty="0" smtClean="0"/>
-              <a:t> single </a:t>
+              <a:t>single </a:t>
             </a:r>
             <a:r>
               <a:rPr lang="pl-PL" sz="2000" dirty="0" err="1" smtClean="0"/>
@@ -5250,7 +5128,7 @@
             </a:r>
             <a:r>
               <a:rPr lang="pl-PL" sz="2000" dirty="0" err="1" smtClean="0"/>
-              <a:t>deactivat</a:t>
+              <a:t>deactivating</a:t>
             </a:r>
             <a:r>
               <a:rPr lang="pl-PL" sz="2000" dirty="0" smtClean="0"/>
@@ -5291,12 +5169,16 @@
               <a:t> </a:t>
             </a:r>
             <a:r>
+              <a:rPr lang="pl-PL" sz="2000" dirty="0" smtClean="0"/>
+              <a:t>”</a:t>
+            </a:r>
+            <a:r>
               <a:rPr lang="pl-PL" sz="2000" dirty="0" err="1" smtClean="0"/>
               <a:t>correlation</a:t>
             </a:r>
             <a:r>
               <a:rPr lang="pl-PL" sz="2000" dirty="0" smtClean="0"/>
-              <a:t> </a:t>
+              <a:t>” </a:t>
             </a:r>
             <a:r>
               <a:rPr lang="pl-PL" sz="2000" dirty="0" err="1" smtClean="0"/>
@@ -5334,15 +5216,19 @@
             </a:pPr>
             <a:r>
               <a:rPr lang="pl-PL" sz="2000" dirty="0"/>
-              <a:t> </a:t>
+              <a:t>	</a:t>
+            </a:r>
+            <a:r>
+              <a:rPr lang="pl-PL" sz="2000" dirty="0" err="1" smtClean="0"/>
+              <a:t>Substract</a:t>
             </a:r>
             <a:r>
               <a:rPr lang="pl-PL" sz="2000" dirty="0" smtClean="0"/>
-              <a:t>       (</a:t>
+              <a:t> </a:t>
             </a:r>
             <a:r>
               <a:rPr lang="pl-PL" sz="2000" dirty="0" err="1" smtClean="0"/>
-              <a:t>encoded</a:t>
+              <a:t>two</a:t>
             </a:r>
             <a:r>
               <a:rPr lang="pl-PL" sz="2000" dirty="0" smtClean="0"/>
@@ -5350,7 +5236,7 @@
             </a:r>
             <a:r>
               <a:rPr lang="pl-PL" sz="2000" dirty="0" err="1" smtClean="0"/>
-              <a:t>representation</a:t>
+              <a:t>enceded</a:t>
             </a:r>
             <a:r>
               <a:rPr lang="pl-PL" sz="2000" dirty="0" smtClean="0"/>
@@ -5358,15 +5244,21 @@
             </a:r>
             <a:r>
               <a:rPr lang="pl-PL" sz="2000" dirty="0" err="1" smtClean="0"/>
-              <a:t>is</a:t>
-            </a:r>
+              <a:t>representations</a:t>
+            </a:r>
+            <a:endParaRPr lang="pl-PL" sz="2000" dirty="0" smtClean="0"/>
+          </a:p>
+          <a:p>
+            <a:pPr marL="0" indent="0">
+              <a:buNone/>
+            </a:pPr>
             <a:r>
               <a:rPr lang="pl-PL" sz="2000" dirty="0" smtClean="0"/>
-              <a:t> </a:t>
+              <a:t>	</a:t>
             </a:r>
             <a:r>
               <a:rPr lang="pl-PL" sz="2000" dirty="0" err="1" smtClean="0"/>
-              <a:t>binarized</a:t>
+              <a:t>Apply</a:t>
             </a:r>
             <a:r>
               <a:rPr lang="pl-PL" sz="2000" dirty="0" smtClean="0"/>
@@ -5374,11 +5266,51 @@
             </a:r>
             <a:r>
               <a:rPr lang="pl-PL" sz="2000" dirty="0" err="1" smtClean="0"/>
-              <a:t>around</a:t>
+              <a:t>thresholf</a:t>
             </a:r>
             <a:r>
               <a:rPr lang="pl-PL" sz="2000" dirty="0" smtClean="0"/>
-              <a:t> 0)</a:t>
+              <a:t> </a:t>
+            </a:r>
+            <a:r>
+              <a:rPr lang="pl-PL" sz="2000" dirty="0" err="1" smtClean="0"/>
+              <a:t>function</a:t>
+            </a:r>
+            <a:r>
+              <a:rPr lang="pl-PL" sz="2000" dirty="0" smtClean="0"/>
+              <a:t> </a:t>
+            </a:r>
+            <a:r>
+              <a:rPr lang="pl-PL" sz="2000" dirty="0" err="1" smtClean="0"/>
+              <a:t>converting</a:t>
+            </a:r>
+            <a:r>
+              <a:rPr lang="pl-PL" sz="2000" dirty="0" smtClean="0"/>
+              <a:t> </a:t>
+            </a:r>
+            <a:r>
+              <a:rPr lang="pl-PL" sz="2000" dirty="0" err="1" smtClean="0"/>
+              <a:t>values</a:t>
+            </a:r>
+            <a:r>
+              <a:rPr lang="pl-PL" sz="2000" dirty="0" smtClean="0"/>
+              <a:t> less </a:t>
+            </a:r>
+            <a:r>
+              <a:rPr lang="pl-PL" sz="2000" dirty="0" err="1" smtClean="0"/>
+              <a:t>an</a:t>
+            </a:r>
+            <a:r>
+              <a:rPr lang="pl-PL" sz="2000" dirty="0" smtClean="0"/>
+              <a:t> </a:t>
+            </a:r>
+            <a:r>
+              <a:rPr lang="pl-PL" sz="2000" dirty="0" err="1" smtClean="0"/>
+              <a:t>std</a:t>
+            </a:r>
+            <a:r>
+              <a:rPr lang="pl-PL" sz="2000" dirty="0" smtClean="0"/>
+              <a:t> to 0.</a:t>
             </a:r>
           </a:p>
           <a:p>
@@ -5386,284 +5318,17 @@
               <a:buNone/>
             </a:pPr>
             <a:r>
+              <a:rPr lang="pl-PL" sz="2000" dirty="0"/>
+              <a:t>	</a:t>
+            </a:r>
+            <a:r>
+              <a:rPr lang="pl-PL" sz="2000" dirty="0" err="1" smtClean="0"/>
+              <a:t>Calculate</a:t>
+            </a:r>
+            <a:r>
               <a:rPr lang="pl-PL" sz="2000" dirty="0" smtClean="0"/>
-              <a:t>        * 1-xor: </a:t>
-            </a:r>
-            <a:r>
-              <a:rPr lang="pl-PL" sz="2000" dirty="0" err="1" smtClean="0"/>
-              <a:t>calculate</a:t>
-            </a:r>
-            <a:r>
-              <a:rPr lang="pl-PL" sz="2000" dirty="0" smtClean="0"/>
-              <a:t> </a:t>
-            </a:r>
-            <a:r>
-              <a:rPr lang="pl-PL" sz="2000" dirty="0" err="1" smtClean="0"/>
-              <a:t>fraction</a:t>
-            </a:r>
-            <a:r>
-              <a:rPr lang="pl-PL" sz="2000" dirty="0" smtClean="0"/>
-              <a:t> of </a:t>
-            </a:r>
-            <a:r>
-              <a:rPr lang="pl-PL" sz="2000" dirty="0" err="1" smtClean="0"/>
-              <a:t>overlapping</a:t>
-            </a:r>
-            <a:r>
-              <a:rPr lang="pl-PL" sz="2000" dirty="0" smtClean="0"/>
-              <a:t> </a:t>
-            </a:r>
-            <a:r>
-              <a:rPr lang="pl-PL" sz="2000" dirty="0" err="1" smtClean="0"/>
-              <a:t>bits</a:t>
-            </a:r>
-            <a:r>
-              <a:rPr lang="pl-PL" sz="2000" dirty="0" smtClean="0"/>
-              <a:t> </a:t>
-            </a:r>
-          </a:p>
-          <a:p>
-            <a:pPr marL="0" indent="0">
-              <a:buNone/>
-            </a:pPr>
-            <a:r>
-              <a:rPr lang="pl-PL" sz="2000" dirty="0" smtClean="0"/>
-              <a:t>        * and: </a:t>
-            </a:r>
-            <a:r>
-              <a:rPr lang="pl-PL" sz="2000" dirty="0" err="1" smtClean="0"/>
-              <a:t>calculate</a:t>
-            </a:r>
-            <a:r>
-              <a:rPr lang="pl-PL" sz="2000" dirty="0" smtClean="0"/>
-              <a:t> </a:t>
-            </a:r>
-            <a:r>
-              <a:rPr lang="pl-PL" sz="2000" dirty="0" err="1" smtClean="0"/>
-              <a:t>fraction</a:t>
-            </a:r>
-            <a:r>
-              <a:rPr lang="pl-PL" sz="2000" dirty="0" smtClean="0"/>
-              <a:t> of </a:t>
-            </a:r>
-            <a:r>
-              <a:rPr lang="pl-PL" sz="2000" dirty="0" err="1" smtClean="0"/>
-              <a:t>overlapping</a:t>
-            </a:r>
-            <a:r>
-              <a:rPr lang="pl-PL" sz="2000" dirty="0" smtClean="0"/>
-              <a:t> </a:t>
-            </a:r>
-            <a:r>
-              <a:rPr lang="pl-PL" sz="2000" dirty="0" err="1" smtClean="0"/>
-              <a:t>active</a:t>
-            </a:r>
-            <a:r>
-              <a:rPr lang="pl-PL" sz="2000" dirty="0" smtClean="0"/>
-              <a:t> </a:t>
-            </a:r>
-            <a:r>
-              <a:rPr lang="pl-PL" sz="2000" dirty="0" err="1" smtClean="0"/>
-              <a:t>bits</a:t>
-            </a:r>
-            <a:endParaRPr lang="pl-PL" sz="2000" dirty="0" smtClean="0"/>
-          </a:p>
-          <a:p>
-            <a:pPr marL="0" indent="0">
-              <a:buNone/>
-            </a:pPr>
-            <a:r>
-              <a:rPr lang="pl-PL" sz="2000" dirty="0"/>
-              <a:t> </a:t>
-            </a:r>
-            <a:r>
-              <a:rPr lang="pl-PL" sz="2000" dirty="0" smtClean="0"/>
-              <a:t>       * RMSE: </a:t>
-            </a:r>
-            <a:r>
-              <a:rPr lang="pl-PL" sz="2000" dirty="0" err="1" smtClean="0"/>
-              <a:t>root</a:t>
-            </a:r>
-            <a:r>
-              <a:rPr lang="pl-PL" sz="2000" dirty="0" smtClean="0"/>
-              <a:t> </a:t>
-            </a:r>
-            <a:r>
-              <a:rPr lang="pl-PL" sz="2000" dirty="0" err="1" smtClean="0"/>
-              <a:t>mean</a:t>
-            </a:r>
-            <a:r>
-              <a:rPr lang="pl-PL" sz="2000" dirty="0" smtClean="0"/>
-              <a:t> </a:t>
-            </a:r>
-            <a:r>
-              <a:rPr lang="pl-PL" sz="2000" dirty="0" err="1" smtClean="0"/>
-              <a:t>square</a:t>
-            </a:r>
-            <a:r>
-              <a:rPr lang="pl-PL" sz="2000" dirty="0" smtClean="0"/>
-              <a:t> error</a:t>
-            </a:r>
-            <a:r>
-              <a:rPr lang="pl-PL" sz="2000" dirty="0" smtClean="0"/>
-              <a:t> </a:t>
-            </a:r>
-            <a:endParaRPr lang="pl-PL" sz="2000" dirty="0"/>
-          </a:p>
-          <a:p>
-            <a:pPr marL="0" indent="0">
-              <a:buNone/>
-            </a:pPr>
-            <a:endParaRPr lang="pl-PL" sz="2000" dirty="0" smtClean="0"/>
-          </a:p>
-          <a:p>
-            <a:pPr marL="0" indent="0">
-              <a:buNone/>
-            </a:pPr>
-            <a:r>
-              <a:rPr lang="pl-PL" sz="2000" dirty="0" err="1" smtClean="0"/>
-              <a:t>Cons</a:t>
-            </a:r>
-            <a:r>
-              <a:rPr lang="pl-PL" sz="2000" dirty="0" smtClean="0"/>
-              <a:t>: </a:t>
-            </a:r>
-            <a:r>
-              <a:rPr lang="pl-PL" sz="2000" dirty="0" err="1" smtClean="0"/>
-              <a:t>Binarization</a:t>
-            </a:r>
-            <a:r>
-              <a:rPr lang="pl-PL" sz="2000" dirty="0" smtClean="0"/>
-              <a:t> of </a:t>
-            </a:r>
-            <a:r>
-              <a:rPr lang="pl-PL" sz="2000" dirty="0" err="1" smtClean="0"/>
-              <a:t>latent</a:t>
-            </a:r>
-            <a:r>
-              <a:rPr lang="pl-PL" sz="2000" dirty="0" smtClean="0"/>
-              <a:t> </a:t>
-            </a:r>
-            <a:r>
-              <a:rPr lang="pl-PL" sz="2000" dirty="0" err="1" smtClean="0"/>
-              <a:t>space</a:t>
-            </a:r>
-            <a:r>
-              <a:rPr lang="pl-PL" sz="2000" dirty="0" smtClean="0"/>
-              <a:t> </a:t>
-            </a:r>
-            <a:r>
-              <a:rPr lang="pl-PL" sz="2000" dirty="0" err="1" smtClean="0"/>
-              <a:t>seems</a:t>
-            </a:r>
-            <a:r>
-              <a:rPr lang="pl-PL" sz="2000" dirty="0" smtClean="0"/>
-              <a:t> to be </a:t>
-            </a:r>
-            <a:r>
-              <a:rPr lang="pl-PL" sz="2000" dirty="0" err="1" smtClean="0"/>
-              <a:t>heuristic</a:t>
-            </a:r>
-            <a:r>
-              <a:rPr lang="pl-PL" sz="2000" dirty="0" smtClean="0"/>
-              <a:t> and not </a:t>
-            </a:r>
-            <a:r>
-              <a:rPr lang="pl-PL" sz="2000" dirty="0" err="1" smtClean="0"/>
-              <a:t>very</a:t>
-            </a:r>
-            <a:r>
-              <a:rPr lang="pl-PL" sz="2000" dirty="0" smtClean="0"/>
-              <a:t> </a:t>
-            </a:r>
-            <a:r>
-              <a:rPr lang="pl-PL" sz="2000" dirty="0" err="1" smtClean="0"/>
-              <a:t>accurate</a:t>
-            </a:r>
-            <a:endParaRPr lang="pl-PL" sz="2000" dirty="0" smtClean="0"/>
-          </a:p>
-          <a:p>
-            <a:pPr marL="0" indent="0">
-              <a:buNone/>
-            </a:pPr>
-            <a:endParaRPr lang="pl-PL" sz="2000" dirty="0" smtClean="0"/>
-          </a:p>
-          <a:p>
-            <a:pPr marL="0" indent="0">
-              <a:buNone/>
-            </a:pPr>
-            <a:r>
-              <a:rPr lang="pl-PL" sz="2000" dirty="0" err="1" smtClean="0"/>
-              <a:t>Further</a:t>
-            </a:r>
-            <a:r>
-              <a:rPr lang="pl-PL" sz="2000" dirty="0" smtClean="0"/>
-              <a:t> </a:t>
-            </a:r>
-            <a:r>
-              <a:rPr lang="pl-PL" sz="2000" dirty="0" err="1" smtClean="0"/>
-              <a:t>measures</a:t>
-            </a:r>
-            <a:r>
-              <a:rPr lang="pl-PL" sz="2000" dirty="0" smtClean="0"/>
-              <a:t>: </a:t>
-            </a:r>
-            <a:r>
-              <a:rPr lang="pl-PL" sz="2000" dirty="0" err="1" smtClean="0"/>
-              <a:t>Discretize</a:t>
-            </a:r>
-            <a:r>
-              <a:rPr lang="pl-PL" sz="2000" dirty="0" smtClean="0"/>
-              <a:t> </a:t>
-            </a:r>
-            <a:r>
-              <a:rPr lang="pl-PL" sz="2000" dirty="0" err="1" smtClean="0"/>
-              <a:t>arround</a:t>
-            </a:r>
-            <a:r>
-              <a:rPr lang="pl-PL" sz="2000" dirty="0" smtClean="0"/>
-              <a:t> </a:t>
-            </a:r>
-            <a:r>
-              <a:rPr lang="pl-PL" sz="2000" dirty="0" err="1" smtClean="0"/>
-              <a:t>magnitude</a:t>
-            </a:r>
-            <a:r>
-              <a:rPr lang="pl-PL" sz="2000" dirty="0" smtClean="0"/>
-              <a:t> of </a:t>
-            </a:r>
-            <a:r>
-              <a:rPr lang="pl-PL" sz="2000" dirty="0" err="1" smtClean="0"/>
-              <a:t>activation</a:t>
-            </a:r>
-            <a:r>
-              <a:rPr lang="pl-PL" sz="2000" dirty="0" smtClean="0"/>
-              <a:t> </a:t>
-            </a:r>
-            <a:endParaRPr lang="pl-PL" sz="2000" dirty="0"/>
-          </a:p>
-          <a:p>
-            <a:pPr marL="0" indent="0">
-              <a:buNone/>
-            </a:pPr>
-            <a:endParaRPr lang="pl-PL" sz="2000" dirty="0" smtClean="0"/>
-          </a:p>
-          <a:p>
-            <a:pPr marL="0" indent="0">
-              <a:buNone/>
-            </a:pPr>
-            <a:endParaRPr lang="pl-PL" sz="2000" dirty="0" smtClean="0"/>
-          </a:p>
-          <a:p>
-            <a:pPr marL="0" indent="0">
-              <a:buNone/>
-            </a:pPr>
-            <a:endParaRPr lang="pl-PL" sz="2000" dirty="0" smtClean="0"/>
-          </a:p>
-          <a:p>
-            <a:pPr marL="0" indent="0">
-              <a:buNone/>
-            </a:pPr>
+              <a:t> RMSE </a:t>
+            </a:r>
             <a:endParaRPr lang="en-US" sz="2000" dirty="0"/>
           </a:p>
         </p:txBody>
@@ -5765,71 +5430,138 @@
         </p:nvSpPr>
         <p:spPr>
           <a:xfrm>
-            <a:off x="132806" y="0"/>
-            <a:ext cx="10515600" cy="1325563"/>
-          </a:xfrm>
-        </p:spPr>
+            <a:off x="838200" y="472390"/>
+            <a:ext cx="10515600" cy="744161"/>
+          </a:xfrm>
+        </p:spPr>
+        <p:txBody>
+          <a:bodyPr>
+            <a:normAutofit fontScale="90000"/>
+          </a:bodyPr>
+          <a:lstStyle/>
+          <a:p>
+            <a:r>
+              <a:rPr lang="pl-PL" sz="3600" dirty="0" err="1" smtClean="0"/>
+              <a:t>Shallow</a:t>
+            </a:r>
+            <a:r>
+              <a:rPr lang="pl-PL" sz="3600" dirty="0" smtClean="0"/>
+              <a:t> DO </a:t>
+            </a:r>
+            <a:r>
+              <a:rPr lang="pl-PL" sz="3600" dirty="0" err="1" smtClean="0"/>
+              <a:t>Weights</a:t>
+            </a:r>
+            <a:r>
+              <a:rPr lang="pl-PL" sz="3600" dirty="0" smtClean="0"/>
+              <a:t>: </a:t>
+            </a:r>
+            <a:r>
+              <a:rPr lang="en-GB" sz="3600" dirty="0" smtClean="0"/>
+              <a:t>compression </a:t>
+            </a:r>
+            <a:r>
+              <a:rPr lang="en-GB" sz="3600" dirty="0"/>
+              <a:t>= 0.8, </a:t>
+            </a:r>
+            <a:r>
+              <a:rPr lang="en-GB" sz="3600" dirty="0" err="1"/>
+              <a:t>batch_size</a:t>
+            </a:r>
+            <a:r>
+              <a:rPr lang="en-GB" sz="3600" dirty="0"/>
+              <a:t> = 20, </a:t>
+            </a:r>
+            <a:r>
+              <a:rPr lang="pl-PL" sz="3600" dirty="0" smtClean="0"/>
+              <a:t/>
+            </a:r>
+            <a:br>
+              <a:rPr lang="pl-PL" sz="3600" dirty="0" smtClean="0"/>
+            </a:br>
+            <a:r>
+              <a:rPr lang="en-GB" sz="3600" dirty="0" err="1" smtClean="0"/>
+              <a:t>reg_cof</a:t>
+            </a:r>
+            <a:r>
+              <a:rPr lang="en-GB" sz="3600" dirty="0" smtClean="0"/>
+              <a:t> </a:t>
+            </a:r>
+            <a:r>
+              <a:rPr lang="en-GB" sz="3600" dirty="0"/>
+              <a:t>= [0.0001, 0.001], dropout = </a:t>
+            </a:r>
+            <a:r>
+              <a:rPr lang="en-GB" sz="3600" dirty="0" smtClean="0"/>
+              <a:t>0.3</a:t>
+            </a:r>
+            <a:r>
+              <a:rPr lang="en-GB" dirty="0"/>
+              <a:t/>
+            </a:r>
+            <a:br>
+              <a:rPr lang="en-GB" dirty="0"/>
+            </a:br>
+            <a:endParaRPr lang="en-US" dirty="0"/>
+          </a:p>
+        </p:txBody>
+      </p:sp>
+      <p:sp>
+        <p:nvSpPr>
+          <p:cNvPr id="3" name="Content Placeholder 2"/>
+          <p:cNvSpPr>
+            <a:spLocks noGrp="1"/>
+          </p:cNvSpPr>
+          <p:nvPr>
+            <p:ph idx="1"/>
+          </p:nvPr>
+        </p:nvSpPr>
+        <p:spPr/>
         <p:txBody>
           <a:bodyPr/>
           <a:lstStyle/>
           <a:p>
-            <a:r>
-              <a:rPr lang="pl-PL" dirty="0" err="1" smtClean="0"/>
-              <a:t>Hyper</a:t>
-            </a:r>
-            <a:r>
-              <a:rPr lang="pl-PL" dirty="0" err="1"/>
-              <a:t>p</a:t>
-            </a:r>
-            <a:r>
-              <a:rPr lang="pl-PL" dirty="0" err="1" smtClean="0"/>
-              <a:t>aramters</a:t>
-            </a:r>
-            <a:r>
-              <a:rPr lang="pl-PL" dirty="0" smtClean="0"/>
-              <a:t> </a:t>
-            </a:r>
-            <a:r>
-              <a:rPr lang="pl-PL" dirty="0" err="1" smtClean="0"/>
-              <a:t>Tuning</a:t>
-            </a:r>
-            <a:r>
-              <a:rPr lang="pl-PL" dirty="0" smtClean="0"/>
-              <a:t>: L1 and L2</a:t>
+            <a:endParaRPr lang="en-US"/>
+          </a:p>
+        </p:txBody>
+      </p:sp>
+      <p:sp>
+        <p:nvSpPr>
+          <p:cNvPr id="4" name="Rectangle 3"/>
+          <p:cNvSpPr/>
+          <p:nvPr/>
+        </p:nvSpPr>
+        <p:spPr>
+          <a:xfrm>
+            <a:off x="1414145" y="1046561"/>
+            <a:ext cx="1181734" cy="369332"/>
+          </a:xfrm>
+          <a:prstGeom prst="rect">
+            <a:avLst/>
+          </a:prstGeom>
+        </p:spPr>
+        <p:txBody>
+          <a:bodyPr wrap="none">
+            <a:spAutoFit/>
+          </a:bodyPr>
+          <a:lstStyle/>
+          <a:p>
+            <a:r>
+              <a:rPr lang="en-GB" dirty="0" err="1" smtClean="0"/>
+              <a:t>lr</a:t>
+            </a:r>
+            <a:r>
+              <a:rPr lang="en-GB" dirty="0" smtClean="0"/>
+              <a:t> </a:t>
+            </a:r>
+            <a:r>
+              <a:rPr lang="en-GB" dirty="0"/>
+              <a:t>= 0.0002</a:t>
             </a:r>
             <a:endParaRPr lang="en-US" dirty="0"/>
           </a:p>
         </p:txBody>
       </p:sp>
-      <p:pic>
-        <p:nvPicPr>
-          <p:cNvPr id="4" name="Content Placeholder 3"/>
-          <p:cNvPicPr>
-            <a:picLocks noGrp="1" noChangeAspect="1"/>
-          </p:cNvPicPr>
-          <p:nvPr>
-            <p:ph idx="1"/>
-          </p:nvPr>
-        </p:nvPicPr>
-        <p:blipFill>
-          <a:blip r:embed="rId2">
-            <a:extLst>
-              <a:ext uri="{28A0092B-C50C-407E-A947-70E740481C1C}">
-                <a14:useLocalDpi xmlns:a14="http://schemas.microsoft.com/office/drawing/2010/main" val="0"/>
-              </a:ext>
-            </a:extLst>
-          </a:blip>
-          <a:stretch>
-            <a:fillRect/>
-          </a:stretch>
-        </p:blipFill>
-        <p:spPr>
-          <a:xfrm>
-            <a:off x="262969" y="1535820"/>
-            <a:ext cx="7096240" cy="5322180"/>
-          </a:xfrm>
-        </p:spPr>
-      </p:pic>
       <p:pic>
         <p:nvPicPr>
           <p:cNvPr id="5" name="Picture 4"/>
@@ -5839,21 +5571,15 @@
           <p:nvPr/>
         </p:nvPicPr>
         <p:blipFill>
-          <a:blip r:embed="rId3">
-            <a:extLst>
-              <a:ext uri="{28A0092B-C50C-407E-A947-70E740481C1C}">
-                <a14:useLocalDpi xmlns:a14="http://schemas.microsoft.com/office/drawing/2010/main" val="0"/>
-              </a:ext>
-            </a:extLst>
-          </a:blip>
+          <a:blip r:embed="rId2"/>
           <a:stretch>
             <a:fillRect/>
           </a:stretch>
         </p:blipFill>
         <p:spPr>
           <a:xfrm>
-            <a:off x="7489372" y="1028546"/>
-            <a:ext cx="3641894" cy="2731420"/>
+            <a:off x="661987" y="1409682"/>
+            <a:ext cx="2847975" cy="2695575"/>
           </a:xfrm>
           <a:prstGeom prst="rect">
             <a:avLst/>
@@ -5869,77 +5595,178 @@
           <p:nvPr/>
         </p:nvPicPr>
         <p:blipFill>
-          <a:blip r:embed="rId4">
-            <a:extLst>
-              <a:ext uri="{28A0092B-C50C-407E-A947-70E740481C1C}">
-                <a14:useLocalDpi xmlns:a14="http://schemas.microsoft.com/office/drawing/2010/main" val="0"/>
-              </a:ext>
-            </a:extLst>
-          </a:blip>
+          <a:blip r:embed="rId3"/>
           <a:stretch>
             <a:fillRect/>
           </a:stretch>
         </p:blipFill>
         <p:spPr>
           <a:xfrm>
-            <a:off x="7588576" y="3850328"/>
-            <a:ext cx="3641894" cy="2731420"/>
+            <a:off x="4451977" y="1362057"/>
+            <a:ext cx="2886075" cy="2743200"/>
           </a:xfrm>
           <a:prstGeom prst="rect">
             <a:avLst/>
           </a:prstGeom>
         </p:spPr>
       </p:pic>
-      <p:sp>
-        <p:nvSpPr>
-          <p:cNvPr id="7" name="TextBox 6"/>
-          <p:cNvSpPr txBox="1"/>
+      <p:pic>
+        <p:nvPicPr>
+          <p:cNvPr id="7" name="Picture 6"/>
+          <p:cNvPicPr>
+            <a:picLocks noChangeAspect="1"/>
+          </p:cNvPicPr>
           <p:nvPr/>
-        </p:nvSpPr>
-        <p:spPr>
-          <a:xfrm>
-            <a:off x="132806" y="1140897"/>
-            <a:ext cx="7053943" cy="369332"/>
+        </p:nvPicPr>
+        <p:blipFill>
+          <a:blip r:embed="rId4"/>
+          <a:stretch>
+            <a:fillRect/>
+          </a:stretch>
+        </p:blipFill>
+        <p:spPr>
+          <a:xfrm>
+            <a:off x="4528178" y="3982244"/>
+            <a:ext cx="2733675" cy="2857500"/>
           </a:xfrm>
           <a:prstGeom prst="rect">
             <a:avLst/>
           </a:prstGeom>
-          <a:noFill/>
-        </p:spPr>
-        <p:txBody>
-          <a:bodyPr wrap="square" rtlCol="0">
+        </p:spPr>
+      </p:pic>
+      <p:pic>
+        <p:nvPicPr>
+          <p:cNvPr id="8" name="Picture 7"/>
+          <p:cNvPicPr>
+            <a:picLocks noChangeAspect="1"/>
+          </p:cNvPicPr>
+          <p:nvPr/>
+        </p:nvPicPr>
+        <p:blipFill>
+          <a:blip r:embed="rId5"/>
+          <a:stretch>
+            <a:fillRect/>
+          </a:stretch>
+        </p:blipFill>
+        <p:spPr>
+          <a:xfrm>
+            <a:off x="661987" y="4001294"/>
+            <a:ext cx="2686050" cy="2838450"/>
+          </a:xfrm>
+          <a:prstGeom prst="rect">
+            <a:avLst/>
+          </a:prstGeom>
+        </p:spPr>
+      </p:pic>
+      <p:pic>
+        <p:nvPicPr>
+          <p:cNvPr id="9" name="Picture 8"/>
+          <p:cNvPicPr>
+            <a:picLocks noChangeAspect="1"/>
+          </p:cNvPicPr>
+          <p:nvPr/>
+        </p:nvPicPr>
+        <p:blipFill>
+          <a:blip r:embed="rId6"/>
+          <a:stretch>
+            <a:fillRect/>
+          </a:stretch>
+        </p:blipFill>
+        <p:spPr>
+          <a:xfrm>
+            <a:off x="8508668" y="1343819"/>
+            <a:ext cx="2838450" cy="2638425"/>
+          </a:xfrm>
+          <a:prstGeom prst="rect">
+            <a:avLst/>
+          </a:prstGeom>
+        </p:spPr>
+      </p:pic>
+      <p:pic>
+        <p:nvPicPr>
+          <p:cNvPr id="10" name="Picture 9"/>
+          <p:cNvPicPr>
+            <a:picLocks noChangeAspect="1"/>
+          </p:cNvPicPr>
+          <p:nvPr/>
+        </p:nvPicPr>
+        <p:blipFill>
+          <a:blip r:embed="rId7"/>
+          <a:stretch>
+            <a:fillRect/>
+          </a:stretch>
+        </p:blipFill>
+        <p:spPr>
+          <a:xfrm>
+            <a:off x="8575343" y="3982244"/>
+            <a:ext cx="2705100" cy="2838450"/>
+          </a:xfrm>
+          <a:prstGeom prst="rect">
+            <a:avLst/>
+          </a:prstGeom>
+        </p:spPr>
+      </p:pic>
+      <p:sp>
+        <p:nvSpPr>
+          <p:cNvPr id="11" name="Rectangle 10"/>
+          <p:cNvSpPr/>
+          <p:nvPr/>
+        </p:nvSpPr>
+        <p:spPr>
+          <a:xfrm>
+            <a:off x="5252720" y="992725"/>
+            <a:ext cx="1064715" cy="369332"/>
+          </a:xfrm>
+          <a:prstGeom prst="rect">
+            <a:avLst/>
+          </a:prstGeom>
+        </p:spPr>
+        <p:txBody>
+          <a:bodyPr wrap="none">
             <a:spAutoFit/>
           </a:bodyPr>
           <a:lstStyle/>
           <a:p>
-            <a:pPr algn="ctr"/>
-            <a:r>
-              <a:rPr lang="pl-PL" dirty="0" smtClean="0"/>
-              <a:t>L1 and L2 </a:t>
-            </a:r>
-            <a:r>
-              <a:rPr lang="pl-PL" dirty="0" err="1" smtClean="0"/>
-              <a:t>values</a:t>
-            </a:r>
-            <a:r>
-              <a:rPr lang="pl-PL" dirty="0" smtClean="0"/>
-              <a:t> </a:t>
-            </a:r>
-            <a:r>
-              <a:rPr lang="pl-PL" dirty="0" err="1" smtClean="0"/>
-              <a:t>are</a:t>
-            </a:r>
-            <a:r>
-              <a:rPr lang="pl-PL" dirty="0" smtClean="0"/>
-              <a:t> </a:t>
-            </a:r>
-            <a:r>
-              <a:rPr lang="pl-PL" dirty="0" err="1" smtClean="0"/>
-              <a:t>rounded</a:t>
-            </a:r>
-            <a:r>
-              <a:rPr lang="pl-PL" dirty="0" smtClean="0"/>
-              <a:t> log10</a:t>
+            <a:r>
+              <a:rPr lang="en-GB" dirty="0" err="1" smtClean="0"/>
+              <a:t>lr</a:t>
+            </a:r>
+            <a:r>
+              <a:rPr lang="en-GB" dirty="0" smtClean="0"/>
+              <a:t> = 0.002</a:t>
+            </a:r>
+            <a:endParaRPr lang="en-US" dirty="0"/>
+          </a:p>
+        </p:txBody>
+      </p:sp>
+      <p:sp>
+        <p:nvSpPr>
+          <p:cNvPr id="12" name="Rectangle 11"/>
+          <p:cNvSpPr/>
+          <p:nvPr/>
+        </p:nvSpPr>
+        <p:spPr>
+          <a:xfrm>
+            <a:off x="9194150" y="992725"/>
+            <a:ext cx="947695" cy="369332"/>
+          </a:xfrm>
+          <a:prstGeom prst="rect">
+            <a:avLst/>
+          </a:prstGeom>
+        </p:spPr>
+        <p:txBody>
+          <a:bodyPr wrap="none">
+            <a:spAutoFit/>
+          </a:bodyPr>
+          <a:lstStyle/>
+          <a:p>
+            <a:r>
+              <a:rPr lang="en-GB" dirty="0" err="1" smtClean="0"/>
+              <a:t>lr</a:t>
+            </a:r>
+            <a:r>
+              <a:rPr lang="en-GB" dirty="0" smtClean="0"/>
+              <a:t> = 0.02</a:t>
             </a:r>
             <a:endParaRPr lang="en-US" dirty="0"/>
           </a:p>
@@ -5948,7 +5775,7 @@
     </p:spTree>
     <p:extLst>
       <p:ext uri="{BB962C8B-B14F-4D97-AF65-F5344CB8AC3E}">
-        <p14:creationId xmlns:p14="http://schemas.microsoft.com/office/powerpoint/2010/main" val="413175230"/>
+        <p14:creationId xmlns:p14="http://schemas.microsoft.com/office/powerpoint/2010/main" val="4255380011"/>
       </p:ext>
     </p:extLst>
   </p:cSld>
@@ -6014,7 +5841,7 @@
             </a:r>
             <a:r>
               <a:rPr lang="pl-PL" sz="3600" dirty="0" err="1" smtClean="0"/>
-              <a:t>Weights</a:t>
+              <a:t>Correlations</a:t>
             </a:r>
             <a:r>
               <a:rPr lang="pl-PL" sz="3600" dirty="0" smtClean="0"/>
@@ -6080,12 +5907,17 @@
             <p:ph idx="1"/>
           </p:nvPr>
         </p:nvSpPr>
-        <p:spPr/>
+        <p:spPr>
+          <a:xfrm>
+            <a:off x="838200" y="2740030"/>
+            <a:ext cx="10515600" cy="4351338"/>
+          </a:xfrm>
+        </p:spPr>
         <p:txBody>
           <a:bodyPr/>
           <a:lstStyle/>
           <a:p>
-            <a:endParaRPr lang="en-US"/>
+            <a:endParaRPr lang="en-US" dirty="0"/>
           </a:p>
         </p:txBody>
       </p:sp>
@@ -6097,7 +5929,7 @@
         </p:nvSpPr>
         <p:spPr>
           <a:xfrm>
-            <a:off x="1414145" y="1046561"/>
+            <a:off x="1414145" y="1674361"/>
             <a:ext cx="1181734" cy="369332"/>
           </a:xfrm>
           <a:prstGeom prst="rect">
@@ -6126,9 +5958,75 @@
           </a:p>
         </p:txBody>
       </p:sp>
+      <p:sp>
+        <p:nvSpPr>
+          <p:cNvPr id="11" name="Rectangle 10"/>
+          <p:cNvSpPr/>
+          <p:nvPr/>
+        </p:nvSpPr>
+        <p:spPr>
+          <a:xfrm>
+            <a:off x="5252720" y="1620525"/>
+            <a:ext cx="1064715" cy="369332"/>
+          </a:xfrm>
+          <a:prstGeom prst="rect">
+            <a:avLst/>
+          </a:prstGeom>
+        </p:spPr>
+        <p:txBody>
+          <a:bodyPr wrap="none">
+            <a:spAutoFit/>
+          </a:bodyPr>
+          <a:lstStyle/>
+          <a:p>
+            <a:r>
+              <a:rPr lang="en-GB" dirty="0" err="1" smtClean="0"/>
+              <a:t>lr</a:t>
+            </a:r>
+            <a:r>
+              <a:rPr lang="en-GB" dirty="0" smtClean="0"/>
+              <a:t> = 0.002</a:t>
+            </a:r>
+            <a:endParaRPr lang="en-US" dirty="0"/>
+          </a:p>
+        </p:txBody>
+      </p:sp>
+      <p:sp>
+        <p:nvSpPr>
+          <p:cNvPr id="12" name="Rectangle 11"/>
+          <p:cNvSpPr/>
+          <p:nvPr/>
+        </p:nvSpPr>
+        <p:spPr>
+          <a:xfrm>
+            <a:off x="9194150" y="1620525"/>
+            <a:ext cx="947695" cy="369332"/>
+          </a:xfrm>
+          <a:prstGeom prst="rect">
+            <a:avLst/>
+          </a:prstGeom>
+        </p:spPr>
+        <p:txBody>
+          <a:bodyPr wrap="none">
+            <a:spAutoFit/>
+          </a:bodyPr>
+          <a:lstStyle/>
+          <a:p>
+            <a:r>
+              <a:rPr lang="en-GB" dirty="0" err="1" smtClean="0"/>
+              <a:t>lr</a:t>
+            </a:r>
+            <a:r>
+              <a:rPr lang="en-GB" dirty="0" smtClean="0"/>
+              <a:t> = 0.02</a:t>
+            </a:r>
+            <a:endParaRPr lang="en-US" dirty="0"/>
+          </a:p>
+        </p:txBody>
+      </p:sp>
       <p:pic>
         <p:nvPicPr>
-          <p:cNvPr id="5" name="Picture 4"/>
+          <p:cNvPr id="13" name="Picture 12"/>
           <p:cNvPicPr>
             <a:picLocks noChangeAspect="1"/>
           </p:cNvPicPr>
@@ -6142,8 +6040,8 @@
         </p:blipFill>
         <p:spPr>
           <a:xfrm>
-            <a:off x="661987" y="1409682"/>
-            <a:ext cx="2847975" cy="2695575"/>
+            <a:off x="0" y="2276462"/>
+            <a:ext cx="4027875" cy="3358590"/>
           </a:xfrm>
           <a:prstGeom prst="rect">
             <a:avLst/>
@@ -6152,7 +6050,7 @@
       </p:pic>
       <p:pic>
         <p:nvPicPr>
-          <p:cNvPr id="6" name="Picture 5"/>
+          <p:cNvPr id="14" name="Picture 13"/>
           <p:cNvPicPr>
             <a:picLocks noChangeAspect="1"/>
           </p:cNvPicPr>
@@ -6166,8 +6064,8 @@
         </p:blipFill>
         <p:spPr>
           <a:xfrm>
-            <a:off x="4451977" y="1362057"/>
-            <a:ext cx="2886075" cy="2743200"/>
+            <a:off x="3954320" y="2276462"/>
+            <a:ext cx="4027875" cy="3322084"/>
           </a:xfrm>
           <a:prstGeom prst="rect">
             <a:avLst/>
@@ -6176,7 +6074,7 @@
       </p:pic>
       <p:pic>
         <p:nvPicPr>
-          <p:cNvPr id="7" name="Picture 6"/>
+          <p:cNvPr id="15" name="Picture 14"/>
           <p:cNvPicPr>
             <a:picLocks noChangeAspect="1"/>
           </p:cNvPicPr>
@@ -6190,156 +6088,18 @@
         </p:blipFill>
         <p:spPr>
           <a:xfrm>
-            <a:off x="4528178" y="3982244"/>
-            <a:ext cx="2733675" cy="2857500"/>
+            <a:off x="8001039" y="2276462"/>
+            <a:ext cx="4015706" cy="3346421"/>
           </a:xfrm>
           <a:prstGeom prst="rect">
             <a:avLst/>
           </a:prstGeom>
         </p:spPr>
       </p:pic>
-      <p:pic>
-        <p:nvPicPr>
-          <p:cNvPr id="8" name="Picture 7"/>
-          <p:cNvPicPr>
-            <a:picLocks noChangeAspect="1"/>
-          </p:cNvPicPr>
-          <p:nvPr/>
-        </p:nvPicPr>
-        <p:blipFill>
-          <a:blip r:embed="rId5"/>
-          <a:stretch>
-            <a:fillRect/>
-          </a:stretch>
-        </p:blipFill>
-        <p:spPr>
-          <a:xfrm>
-            <a:off x="661987" y="4001294"/>
-            <a:ext cx="2686050" cy="2838450"/>
-          </a:xfrm>
-          <a:prstGeom prst="rect">
-            <a:avLst/>
-          </a:prstGeom>
-        </p:spPr>
-      </p:pic>
-      <p:pic>
-        <p:nvPicPr>
-          <p:cNvPr id="9" name="Picture 8"/>
-          <p:cNvPicPr>
-            <a:picLocks noChangeAspect="1"/>
-          </p:cNvPicPr>
-          <p:nvPr/>
-        </p:nvPicPr>
-        <p:blipFill>
-          <a:blip r:embed="rId6"/>
-          <a:stretch>
-            <a:fillRect/>
-          </a:stretch>
-        </p:blipFill>
-        <p:spPr>
-          <a:xfrm>
-            <a:off x="8508668" y="1343819"/>
-            <a:ext cx="2838450" cy="2638425"/>
-          </a:xfrm>
-          <a:prstGeom prst="rect">
-            <a:avLst/>
-          </a:prstGeom>
-        </p:spPr>
-      </p:pic>
-      <p:pic>
-        <p:nvPicPr>
-          <p:cNvPr id="10" name="Picture 9"/>
-          <p:cNvPicPr>
-            <a:picLocks noChangeAspect="1"/>
-          </p:cNvPicPr>
-          <p:nvPr/>
-        </p:nvPicPr>
-        <p:blipFill>
-          <a:blip r:embed="rId7"/>
-          <a:stretch>
-            <a:fillRect/>
-          </a:stretch>
-        </p:blipFill>
-        <p:spPr>
-          <a:xfrm>
-            <a:off x="8575343" y="3982244"/>
-            <a:ext cx="2705100" cy="2838450"/>
-          </a:xfrm>
-          <a:prstGeom prst="rect">
-            <a:avLst/>
-          </a:prstGeom>
-        </p:spPr>
-      </p:pic>
-      <p:sp>
-        <p:nvSpPr>
-          <p:cNvPr id="11" name="Rectangle 10"/>
-          <p:cNvSpPr/>
-          <p:nvPr/>
-        </p:nvSpPr>
-        <p:spPr>
-          <a:xfrm>
-            <a:off x="5252720" y="992725"/>
-            <a:ext cx="1064715" cy="369332"/>
-          </a:xfrm>
-          <a:prstGeom prst="rect">
-            <a:avLst/>
-          </a:prstGeom>
-        </p:spPr>
-        <p:txBody>
-          <a:bodyPr wrap="none">
-            <a:spAutoFit/>
-          </a:bodyPr>
-          <a:lstStyle/>
-          <a:p>
-            <a:r>
-              <a:rPr lang="en-GB" dirty="0" err="1" smtClean="0"/>
-              <a:t>lr</a:t>
-            </a:r>
-            <a:r>
-              <a:rPr lang="en-GB" dirty="0" smtClean="0"/>
-              <a:t> = 0.002</a:t>
-            </a:r>
-            <a:endParaRPr lang="en-US" dirty="0"/>
-          </a:p>
-        </p:txBody>
-      </p:sp>
-      <p:sp>
-        <p:nvSpPr>
-          <p:cNvPr id="12" name="Rectangle 11"/>
-          <p:cNvSpPr/>
-          <p:nvPr/>
-        </p:nvSpPr>
-        <p:spPr>
-          <a:xfrm>
-            <a:off x="9194150" y="992725"/>
-            <a:ext cx="947695" cy="369332"/>
-          </a:xfrm>
-          <a:prstGeom prst="rect">
-            <a:avLst/>
-          </a:prstGeom>
-        </p:spPr>
-        <p:txBody>
-          <a:bodyPr wrap="none">
-            <a:spAutoFit/>
-          </a:bodyPr>
-          <a:lstStyle/>
-          <a:p>
-            <a:r>
-              <a:rPr lang="en-GB" dirty="0" err="1" smtClean="0"/>
-              <a:t>lr</a:t>
-            </a:r>
-            <a:r>
-              <a:rPr lang="en-GB" dirty="0" smtClean="0"/>
-              <a:t> = 0.02</a:t>
-            </a:r>
-            <a:endParaRPr lang="en-US" dirty="0"/>
-          </a:p>
-        </p:txBody>
-      </p:sp>
     </p:spTree>
     <p:extLst>
       <p:ext uri="{BB962C8B-B14F-4D97-AF65-F5344CB8AC3E}">
-        <p14:creationId xmlns:p14="http://schemas.microsoft.com/office/powerpoint/2010/main" val="4255380011"/>
+        <p14:creationId xmlns:p14="http://schemas.microsoft.com/office/powerpoint/2010/main" val="12782829"/>
       </p:ext>
     </p:extLst>
   </p:cSld>
@@ -6383,81 +6143,53 @@
             <p:ph type="title"/>
           </p:nvPr>
         </p:nvSpPr>
-        <p:spPr>
-          <a:xfrm>
-            <a:off x="838200" y="472390"/>
-            <a:ext cx="10515600" cy="744161"/>
-          </a:xfrm>
-        </p:spPr>
+        <p:spPr/>
         <p:txBody>
           <a:bodyPr>
-            <a:normAutofit fontScale="90000"/>
+            <a:normAutofit/>
           </a:bodyPr>
           <a:lstStyle/>
           <a:p>
             <a:r>
-              <a:rPr lang="pl-PL" sz="3600" dirty="0" err="1" smtClean="0"/>
+              <a:rPr lang="pl-PL" sz="3200" dirty="0" err="1" smtClean="0"/>
               <a:t>Shallow</a:t>
             </a:r>
             <a:r>
-              <a:rPr lang="pl-PL" sz="3600" dirty="0" smtClean="0"/>
-              <a:t> DO </a:t>
-            </a:r>
-            <a:r>
-              <a:rPr lang="pl-PL" sz="3600" dirty="0" err="1" smtClean="0"/>
-              <a:t>Correlations</a:t>
-            </a:r>
-            <a:r>
-              <a:rPr lang="pl-PL" sz="3600" dirty="0" smtClean="0"/>
-              <a:t>: </a:t>
-            </a:r>
-            <a:r>
-              <a:rPr lang="en-GB" sz="3600" dirty="0" smtClean="0"/>
+              <a:rPr lang="pl-PL" sz="3200" dirty="0" smtClean="0"/>
+              <a:t> DO: </a:t>
+            </a:r>
+            <a:r>
+              <a:rPr lang="en-GB" sz="3200" dirty="0" smtClean="0"/>
               <a:t>compression </a:t>
             </a:r>
             <a:r>
-              <a:rPr lang="en-GB" sz="3600" dirty="0"/>
+              <a:rPr lang="en-GB" sz="3200" dirty="0"/>
               <a:t>= 0.8, </a:t>
             </a:r>
             <a:r>
-              <a:rPr lang="en-GB" sz="3600" dirty="0" err="1"/>
+              <a:rPr lang="en-GB" sz="3200" dirty="0" err="1"/>
               <a:t>batch_size</a:t>
             </a:r>
             <a:r>
-              <a:rPr lang="en-GB" sz="3600" dirty="0"/>
+              <a:rPr lang="en-GB" sz="3200" dirty="0"/>
               <a:t> = 20, </a:t>
             </a:r>
             <a:r>
-              <a:rPr lang="pl-PL" sz="3600" dirty="0" smtClean="0"/>
-              <a:t/>
-            </a:r>
-            <a:br>
-              <a:rPr lang="pl-PL" sz="3600" dirty="0" smtClean="0"/>
-            </a:br>
-            <a:r>
-              <a:rPr lang="en-GB" sz="3600" dirty="0" err="1" smtClean="0"/>
+              <a:rPr lang="en-GB" sz="3200" dirty="0" err="1"/>
               <a:t>reg_cof</a:t>
             </a:r>
             <a:r>
-              <a:rPr lang="en-GB" sz="3600" dirty="0" smtClean="0"/>
-              <a:t> </a:t>
-            </a:r>
-            <a:r>
-              <a:rPr lang="en-GB" sz="3600" dirty="0"/>
-              <a:t>= [0.0001, 0.001], dropout = </a:t>
-            </a:r>
-            <a:r>
-              <a:rPr lang="en-GB" sz="3600" dirty="0" smtClean="0"/>
-              <a:t>0.3</a:t>
-            </a:r>
-            <a:r>
-              <a:rPr lang="en-GB" dirty="0"/>
-              <a:t/>
-            </a:r>
-            <a:br>
-              <a:rPr lang="en-GB" dirty="0"/>
-            </a:br>
-            <a:endParaRPr lang="en-US" dirty="0"/>
+              <a:rPr lang="en-GB" sz="3200" dirty="0"/>
+              <a:t> = [0.001, 0.001], dropout = 0.4, </a:t>
+            </a:r>
+            <a:r>
+              <a:rPr lang="en-GB" sz="3200" dirty="0" err="1"/>
+              <a:t>lr</a:t>
+            </a:r>
+            <a:r>
+              <a:rPr lang="en-GB" sz="3200" dirty="0"/>
+              <a:t> = 0.0001,</a:t>
+            </a:r>
           </a:p>
         </p:txBody>
       </p:sp>
@@ -6471,126 +6203,18 @@
             <p:ph idx="1"/>
           </p:nvPr>
         </p:nvSpPr>
-        <p:spPr>
-          <a:xfrm>
-            <a:off x="838200" y="2740030"/>
-            <a:ext cx="10515600" cy="4351338"/>
-          </a:xfrm>
-        </p:spPr>
+        <p:spPr/>
         <p:txBody>
           <a:bodyPr/>
           <a:lstStyle/>
           <a:p>
-            <a:endParaRPr lang="en-US" dirty="0"/>
-          </a:p>
-        </p:txBody>
-      </p:sp>
-      <p:sp>
-        <p:nvSpPr>
-          <p:cNvPr id="4" name="Rectangle 3"/>
-          <p:cNvSpPr/>
-          <p:nvPr/>
-        </p:nvSpPr>
-        <p:spPr>
-          <a:xfrm>
-            <a:off x="1414145" y="1674361"/>
-            <a:ext cx="1181734" cy="369332"/>
-          </a:xfrm>
-          <a:prstGeom prst="rect">
-            <a:avLst/>
-          </a:prstGeom>
-        </p:spPr>
-        <p:txBody>
-          <a:bodyPr wrap="none">
-            <a:spAutoFit/>
-          </a:bodyPr>
-          <a:lstStyle/>
-          <a:p>
-            <a:r>
-              <a:rPr lang="en-GB" dirty="0" err="1" smtClean="0"/>
-              <a:t>lr</a:t>
-            </a:r>
-            <a:r>
-              <a:rPr lang="en-GB" dirty="0" smtClean="0"/>
-              <a:t> </a:t>
-            </a:r>
-            <a:r>
-              <a:rPr lang="en-GB" dirty="0"/>
-              <a:t>= 0.0002</a:t>
-            </a:r>
-            <a:endParaRPr lang="en-US" dirty="0"/>
-          </a:p>
-        </p:txBody>
-      </p:sp>
-      <p:sp>
-        <p:nvSpPr>
-          <p:cNvPr id="11" name="Rectangle 10"/>
-          <p:cNvSpPr/>
-          <p:nvPr/>
-        </p:nvSpPr>
-        <p:spPr>
-          <a:xfrm>
-            <a:off x="5252720" y="1620525"/>
-            <a:ext cx="1064715" cy="369332"/>
-          </a:xfrm>
-          <a:prstGeom prst="rect">
-            <a:avLst/>
-          </a:prstGeom>
-        </p:spPr>
-        <p:txBody>
-          <a:bodyPr wrap="none">
-            <a:spAutoFit/>
-          </a:bodyPr>
-          <a:lstStyle/>
-          <a:p>
-            <a:r>
-              <a:rPr lang="en-GB" dirty="0" err="1" smtClean="0"/>
-              <a:t>lr</a:t>
-            </a:r>
-            <a:r>
-              <a:rPr lang="en-GB" dirty="0" smtClean="0"/>
-              <a:t> = 0.002</a:t>
-            </a:r>
-            <a:endParaRPr lang="en-US" dirty="0"/>
-          </a:p>
-        </p:txBody>
-      </p:sp>
-      <p:sp>
-        <p:nvSpPr>
-          <p:cNvPr id="12" name="Rectangle 11"/>
-          <p:cNvSpPr/>
-          <p:nvPr/>
-        </p:nvSpPr>
-        <p:spPr>
-          <a:xfrm>
-            <a:off x="9194150" y="1620525"/>
-            <a:ext cx="947695" cy="369332"/>
-          </a:xfrm>
-          <a:prstGeom prst="rect">
-            <a:avLst/>
-          </a:prstGeom>
-        </p:spPr>
-        <p:txBody>
-          <a:bodyPr wrap="none">
-            <a:spAutoFit/>
-          </a:bodyPr>
-          <a:lstStyle/>
-          <a:p>
-            <a:r>
-              <a:rPr lang="en-GB" dirty="0" err="1" smtClean="0"/>
-              <a:t>lr</a:t>
-            </a:r>
-            <a:r>
-              <a:rPr lang="en-GB" dirty="0" smtClean="0"/>
-              <a:t> = 0.02</a:t>
-            </a:r>
-            <a:endParaRPr lang="en-US" dirty="0"/>
+            <a:endParaRPr lang="en-US"/>
           </a:p>
         </p:txBody>
       </p:sp>
       <p:pic>
         <p:nvPicPr>
-          <p:cNvPr id="13" name="Picture 12"/>
+          <p:cNvPr id="4" name="Picture 3"/>
           <p:cNvPicPr>
             <a:picLocks noChangeAspect="1"/>
           </p:cNvPicPr>
@@ -6604,8 +6228,8 @@
         </p:blipFill>
         <p:spPr>
           <a:xfrm>
-            <a:off x="0" y="2276462"/>
-            <a:ext cx="4027875" cy="3358590"/>
+            <a:off x="7661161" y="1690688"/>
+            <a:ext cx="4333875" cy="3829050"/>
           </a:xfrm>
           <a:prstGeom prst="rect">
             <a:avLst/>
@@ -6614,7 +6238,7 @@
       </p:pic>
       <p:pic>
         <p:nvPicPr>
-          <p:cNvPr id="14" name="Picture 13"/>
+          <p:cNvPr id="5" name="Picture 4"/>
           <p:cNvPicPr>
             <a:picLocks noChangeAspect="1"/>
           </p:cNvPicPr>
@@ -6628,8 +6252,8 @@
         </p:blipFill>
         <p:spPr>
           <a:xfrm>
-            <a:off x="3954320" y="2276462"/>
-            <a:ext cx="4027875" cy="3322084"/>
+            <a:off x="4032136" y="1825625"/>
+            <a:ext cx="3629025" cy="3771900"/>
           </a:xfrm>
           <a:prstGeom prst="rect">
             <a:avLst/>
@@ -6638,7 +6262,7 @@
       </p:pic>
       <p:pic>
         <p:nvPicPr>
-          <p:cNvPr id="15" name="Picture 14"/>
+          <p:cNvPr id="6" name="Picture 5"/>
           <p:cNvPicPr>
             <a:picLocks noChangeAspect="1"/>
           </p:cNvPicPr>
@@ -6652,8 +6276,8 @@
         </p:blipFill>
         <p:spPr>
           <a:xfrm>
-            <a:off x="8001039" y="2276462"/>
-            <a:ext cx="4015706" cy="3346421"/>
+            <a:off x="177982" y="2093051"/>
+            <a:ext cx="3771900" cy="3581400"/>
           </a:xfrm>
           <a:prstGeom prst="rect">
             <a:avLst/>
@@ -6663,7 +6287,7 @@
     </p:spTree>
     <p:extLst>
       <p:ext uri="{BB962C8B-B14F-4D97-AF65-F5344CB8AC3E}">
-        <p14:creationId xmlns:p14="http://schemas.microsoft.com/office/powerpoint/2010/main" val="12782829"/>
+        <p14:creationId xmlns:p14="http://schemas.microsoft.com/office/powerpoint/2010/main" val="3647984264"/>
       </p:ext>
     </p:extLst>
   </p:cSld>
@@ -6709,66 +6333,6 @@
         </p:nvSpPr>
         <p:spPr/>
         <p:txBody>
-          <a:bodyPr>
-            <a:normAutofit/>
-          </a:bodyPr>
-          <a:lstStyle/>
-          <a:p>
-            <a:r>
-              <a:rPr lang="pl-PL" sz="3200" dirty="0" err="1" smtClean="0"/>
-              <a:t>Shallow</a:t>
-            </a:r>
-            <a:r>
-              <a:rPr lang="pl-PL" sz="3200" dirty="0" smtClean="0"/>
-              <a:t> DO: </a:t>
-            </a:r>
-            <a:r>
-              <a:rPr lang="en-GB" sz="3200" dirty="0" smtClean="0"/>
-              <a:t>compression </a:t>
-            </a:r>
-            <a:r>
-              <a:rPr lang="en-GB" sz="3200" dirty="0"/>
-              <a:t>= 0.8, </a:t>
-            </a:r>
-            <a:r>
-              <a:rPr lang="en-GB" sz="3200" dirty="0" err="1"/>
-              <a:t>batch_size</a:t>
-            </a:r>
-            <a:r>
-              <a:rPr lang="en-GB" sz="3200" dirty="0"/>
-              <a:t> = 20, </a:t>
-            </a:r>
-            <a:r>
-              <a:rPr lang="en-GB" sz="3200" dirty="0" err="1"/>
-              <a:t>reg_cof</a:t>
-            </a:r>
-            <a:r>
-              <a:rPr lang="en-GB" sz="3200" dirty="0"/>
-              <a:t> = [0.001, 0.001], dropout = 0.4, </a:t>
-            </a:r>
-            <a:r>
-              <a:rPr lang="en-GB" sz="3200" dirty="0" err="1"/>
-              <a:t>lr</a:t>
-            </a:r>
-            <a:r>
-              <a:rPr lang="en-GB" sz="3200" dirty="0"/>
-              <a:t> = 0.0001,</a:t>
-            </a:r>
-          </a:p>
-        </p:txBody>
-      </p:sp>
-      <p:sp>
-        <p:nvSpPr>
-          <p:cNvPr id="3" name="Content Placeholder 2"/>
-          <p:cNvSpPr>
-            <a:spLocks noGrp="1"/>
-          </p:cNvSpPr>
-          <p:nvPr>
-            <p:ph idx="1"/>
-          </p:nvPr>
-        </p:nvSpPr>
-        <p:spPr/>
-        <p:txBody>
           <a:bodyPr/>
           <a:lstStyle/>
           <a:p>
@@ -6778,70 +6342,57 @@
       </p:sp>
       <p:pic>
         <p:nvPicPr>
-          <p:cNvPr id="4" name="Picture 3"/>
+          <p:cNvPr id="6" name="Content Placeholder 5"/>
+          <p:cNvPicPr>
+            <a:picLocks noGrp="1" noChangeAspect="1"/>
+          </p:cNvPicPr>
+          <p:nvPr>
+            <p:ph idx="1"/>
+          </p:nvPr>
+        </p:nvPicPr>
+        <p:blipFill>
+          <a:blip r:embed="rId2">
+            <a:extLst>
+              <a:ext uri="{28A0092B-C50C-407E-A947-70E740481C1C}">
+                <a14:useLocalDpi xmlns:a14="http://schemas.microsoft.com/office/drawing/2010/main" val="0"/>
+              </a:ext>
+            </a:extLst>
+          </a:blip>
+          <a:stretch>
+            <a:fillRect/>
+          </a:stretch>
+        </p:blipFill>
+        <p:spPr>
+          <a:xfrm>
+            <a:off x="52247" y="304506"/>
+            <a:ext cx="7829943" cy="5872457"/>
+          </a:xfrm>
+        </p:spPr>
+      </p:pic>
+      <p:pic>
+        <p:nvPicPr>
+          <p:cNvPr id="7" name="Picture 6"/>
           <p:cNvPicPr>
             <a:picLocks noChangeAspect="1"/>
           </p:cNvPicPr>
           <p:nvPr/>
         </p:nvPicPr>
         <p:blipFill>
-          <a:blip r:embed="rId2"/>
+          <a:blip r:embed="rId3">
+            <a:extLst>
+              <a:ext uri="{28A0092B-C50C-407E-A947-70E740481C1C}">
+                <a14:useLocalDpi xmlns:a14="http://schemas.microsoft.com/office/drawing/2010/main" val="0"/>
+              </a:ext>
+            </a:extLst>
+          </a:blip>
           <a:stretch>
             <a:fillRect/>
           </a:stretch>
         </p:blipFill>
         <p:spPr>
           <a:xfrm>
-            <a:off x="7661161" y="1690688"/>
-            <a:ext cx="4333875" cy="3829050"/>
-          </a:xfrm>
-          <a:prstGeom prst="rect">
-            <a:avLst/>
-          </a:prstGeom>
-        </p:spPr>
-      </p:pic>
-      <p:pic>
-        <p:nvPicPr>
-          <p:cNvPr id="5" name="Picture 4"/>
-          <p:cNvPicPr>
-            <a:picLocks noChangeAspect="1"/>
-          </p:cNvPicPr>
-          <p:nvPr/>
-        </p:nvPicPr>
-        <p:blipFill>
-          <a:blip r:embed="rId3"/>
-          <a:stretch>
-            <a:fillRect/>
-          </a:stretch>
-        </p:blipFill>
-        <p:spPr>
-          <a:xfrm>
-            <a:off x="4032136" y="1825625"/>
-            <a:ext cx="3629025" cy="3771900"/>
-          </a:xfrm>
-          <a:prstGeom prst="rect">
-            <a:avLst/>
-          </a:prstGeom>
-        </p:spPr>
-      </p:pic>
-      <p:pic>
-        <p:nvPicPr>
-          <p:cNvPr id="6" name="Picture 5"/>
-          <p:cNvPicPr>
-            <a:picLocks noChangeAspect="1"/>
-          </p:cNvPicPr>
-          <p:nvPr/>
-        </p:nvPicPr>
-        <p:blipFill>
-          <a:blip r:embed="rId4"/>
-          <a:stretch>
-            <a:fillRect/>
-          </a:stretch>
-        </p:blipFill>
-        <p:spPr>
-          <a:xfrm>
-            <a:off x="177982" y="2093051"/>
-            <a:ext cx="3771900" cy="3581400"/>
+            <a:off x="7573549" y="1508815"/>
+            <a:ext cx="4618451" cy="3463838"/>
           </a:xfrm>
           <a:prstGeom prst="rect">
             <a:avLst/>
@@ -6851,7 +6402,7 @@
     </p:spTree>
     <p:extLst>
       <p:ext uri="{BB962C8B-B14F-4D97-AF65-F5344CB8AC3E}">
-        <p14:creationId xmlns:p14="http://schemas.microsoft.com/office/powerpoint/2010/main" val="3647984264"/>
+        <p14:creationId xmlns:p14="http://schemas.microsoft.com/office/powerpoint/2010/main" val="3549886011"/>
       </p:ext>
     </p:extLst>
   </p:cSld>
